--- a/2019/8月/08-08-19.pptx
+++ b/2019/8月/08-08-19.pptx
@@ -5,12 +5,13 @@
     <p:sldMasterId id="2147483660" r:id="rId1"/>
   </p:sldMasterIdLst>
   <p:sldIdLst>
-    <p:sldId id="257" r:id="rId2"/>
-    <p:sldId id="258" r:id="rId3"/>
-    <p:sldId id="263" r:id="rId4"/>
-    <p:sldId id="264" r:id="rId5"/>
-    <p:sldId id="261" r:id="rId6"/>
-    <p:sldId id="262" r:id="rId7"/>
+    <p:sldId id="261" r:id="rId2"/>
+    <p:sldId id="262" r:id="rId3"/>
+    <p:sldId id="265" r:id="rId4"/>
+    <p:sldId id="257" r:id="rId5"/>
+    <p:sldId id="258" r:id="rId6"/>
+    <p:sldId id="263" r:id="rId7"/>
+    <p:sldId id="264" r:id="rId8"/>
   </p:sldIdLst>
   <p:sldSz cx="9144000" cy="5143500" type="screen16x9"/>
   <p:notesSz cx="6858000" cy="9144000"/>
@@ -294,7 +295,7 @@
             <a:fld id="{68310787-15DC-4D40-A5F7-5DC6AC6D30E0}" type="datetimeFigureOut">
               <a:rPr lang="zh-TW" altLang="en-US" smtClean="0"/>
               <a:pPr/>
-              <a:t>2019/7/30</a:t>
+              <a:t>2019/8/6</a:t>
             </a:fld>
             <a:endParaRPr lang="zh-TW" altLang="en-US"/>
           </a:p>
@@ -461,7 +462,7 @@
             <a:fld id="{68310787-15DC-4D40-A5F7-5DC6AC6D30E0}" type="datetimeFigureOut">
               <a:rPr lang="zh-TW" altLang="en-US" smtClean="0"/>
               <a:pPr/>
-              <a:t>2019/7/30</a:t>
+              <a:t>2019/8/6</a:t>
             </a:fld>
             <a:endParaRPr lang="zh-TW" altLang="en-US"/>
           </a:p>
@@ -638,7 +639,7 @@
             <a:fld id="{68310787-15DC-4D40-A5F7-5DC6AC6D30E0}" type="datetimeFigureOut">
               <a:rPr lang="zh-TW" altLang="en-US" smtClean="0"/>
               <a:pPr/>
-              <a:t>2019/7/30</a:t>
+              <a:t>2019/8/6</a:t>
             </a:fld>
             <a:endParaRPr lang="zh-TW" altLang="en-US"/>
           </a:p>
@@ -805,7 +806,7 @@
             <a:fld id="{68310787-15DC-4D40-A5F7-5DC6AC6D30E0}" type="datetimeFigureOut">
               <a:rPr lang="zh-TW" altLang="en-US" smtClean="0"/>
               <a:pPr/>
-              <a:t>2019/7/30</a:t>
+              <a:t>2019/8/6</a:t>
             </a:fld>
             <a:endParaRPr lang="zh-TW" altLang="en-US"/>
           </a:p>
@@ -1048,7 +1049,7 @@
             <a:fld id="{68310787-15DC-4D40-A5F7-5DC6AC6D30E0}" type="datetimeFigureOut">
               <a:rPr lang="zh-TW" altLang="en-US" smtClean="0"/>
               <a:pPr/>
-              <a:t>2019/7/30</a:t>
+              <a:t>2019/8/6</a:t>
             </a:fld>
             <a:endParaRPr lang="zh-TW" altLang="en-US"/>
           </a:p>
@@ -1333,7 +1334,7 @@
             <a:fld id="{68310787-15DC-4D40-A5F7-5DC6AC6D30E0}" type="datetimeFigureOut">
               <a:rPr lang="zh-TW" altLang="en-US" smtClean="0"/>
               <a:pPr/>
-              <a:t>2019/7/30</a:t>
+              <a:t>2019/8/6</a:t>
             </a:fld>
             <a:endParaRPr lang="zh-TW" altLang="en-US"/>
           </a:p>
@@ -1752,7 +1753,7 @@
             <a:fld id="{68310787-15DC-4D40-A5F7-5DC6AC6D30E0}" type="datetimeFigureOut">
               <a:rPr lang="zh-TW" altLang="en-US" smtClean="0"/>
               <a:pPr/>
-              <a:t>2019/7/30</a:t>
+              <a:t>2019/8/6</a:t>
             </a:fld>
             <a:endParaRPr lang="zh-TW" altLang="en-US"/>
           </a:p>
@@ -1867,7 +1868,7 @@
             <a:fld id="{68310787-15DC-4D40-A5F7-5DC6AC6D30E0}" type="datetimeFigureOut">
               <a:rPr lang="zh-TW" altLang="en-US" smtClean="0"/>
               <a:pPr/>
-              <a:t>2019/7/30</a:t>
+              <a:t>2019/8/6</a:t>
             </a:fld>
             <a:endParaRPr lang="zh-TW" altLang="en-US"/>
           </a:p>
@@ -1959,7 +1960,7 @@
             <a:fld id="{68310787-15DC-4D40-A5F7-5DC6AC6D30E0}" type="datetimeFigureOut">
               <a:rPr lang="zh-TW" altLang="en-US" smtClean="0"/>
               <a:pPr/>
-              <a:t>2019/7/30</a:t>
+              <a:t>2019/8/6</a:t>
             </a:fld>
             <a:endParaRPr lang="zh-TW" altLang="en-US"/>
           </a:p>
@@ -2233,7 +2234,7 @@
             <a:fld id="{68310787-15DC-4D40-A5F7-5DC6AC6D30E0}" type="datetimeFigureOut">
               <a:rPr lang="zh-TW" altLang="en-US" smtClean="0"/>
               <a:pPr/>
-              <a:t>2019/7/30</a:t>
+              <a:t>2019/8/6</a:t>
             </a:fld>
             <a:endParaRPr lang="zh-TW" altLang="en-US"/>
           </a:p>
@@ -2487,7 +2488,7 @@
             <a:fld id="{68310787-15DC-4D40-A5F7-5DC6AC6D30E0}" type="datetimeFigureOut">
               <a:rPr lang="zh-TW" altLang="en-US" smtClean="0"/>
               <a:pPr/>
-              <a:t>2019/7/30</a:t>
+              <a:t>2019/8/6</a:t>
             </a:fld>
             <a:endParaRPr lang="zh-TW" altLang="en-US"/>
           </a:p>
@@ -2702,7 +2703,7 @@
             <a:fld id="{68310787-15DC-4D40-A5F7-5DC6AC6D30E0}" type="datetimeFigureOut">
               <a:rPr lang="zh-TW" altLang="en-US" smtClean="0"/>
               <a:pPr/>
-              <a:t>2019/7/30</a:t>
+              <a:t>2019/8/6</a:t>
             </a:fld>
             <a:endParaRPr lang="zh-TW" altLang="en-US"/>
           </a:p>
@@ -3085,13 +3086,11 @@
         </p:nvSpPr>
         <p:spPr/>
         <p:txBody>
-          <a:bodyPr>
-            <a:normAutofit/>
-          </a:bodyPr>
-          <a:lstStyle/>
-          <a:p>
-            <a:r>
-              <a:rPr lang="zh-CN" altLang="en-US" sz="4000" b="1" dirty="0" smtClean="0">
+          <a:bodyPr/>
+          <a:lstStyle/>
+          <a:p>
+            <a:r>
+              <a:rPr lang="zh-CN" altLang="en-US" b="1" dirty="0" smtClean="0">
                 <a:solidFill>
                   <a:srgbClr val="000066"/>
                 </a:solidFill>
@@ -3100,7 +3099,7 @@
               </a:rPr>
               <a:t>安靜</a:t>
             </a:r>
-            <a:endParaRPr lang="zh-TW" altLang="en-US" sz="4000" b="1" dirty="0">
+            <a:endParaRPr lang="zh-TW" altLang="en-US" b="1" dirty="0">
               <a:solidFill>
                 <a:srgbClr val="000066"/>
               </a:solidFill>
@@ -3123,7 +3122,7 @@
         <p:spPr/>
         <p:txBody>
           <a:bodyPr>
-            <a:normAutofit lnSpcReduction="10000"/>
+            <a:normAutofit fontScale="92500" lnSpcReduction="10000"/>
           </a:bodyPr>
           <a:lstStyle/>
           <a:p>
@@ -3131,16 +3130,16 @@
               <a:buNone/>
             </a:pPr>
             <a:r>
-              <a:rPr lang="zh-TW" altLang="en-US" sz="4800" b="1" dirty="0" smtClean="0">
+              <a:rPr lang="zh-TW" altLang="en-US" sz="5400" b="1" dirty="0" smtClean="0">
                 <a:solidFill>
                   <a:srgbClr val="000066"/>
                 </a:solidFill>
                 <a:latin typeface="微軟正黑體" pitchFamily="34" charset="-120"/>
                 <a:ea typeface="微軟正黑體" pitchFamily="34" charset="-120"/>
               </a:rPr>
-              <a:t>藏我在 翅膀蔭下</a:t>
-            </a:r>
-            <a:endParaRPr lang="en-US" altLang="zh-TW" sz="4800" b="1" dirty="0" smtClean="0">
+              <a:t>安靜讓平安入我心</a:t>
+            </a:r>
+            <a:endParaRPr lang="en-US" altLang="zh-TW" sz="5400" b="1" dirty="0" smtClean="0">
               <a:solidFill>
                 <a:srgbClr val="000066"/>
               </a:solidFill>
@@ -3153,16 +3152,16 @@
               <a:buNone/>
             </a:pPr>
             <a:r>
-              <a:rPr lang="zh-TW" altLang="en-US" sz="4800" b="1" dirty="0" smtClean="0">
+              <a:rPr lang="zh-TW" altLang="en-US" sz="5400" b="1" dirty="0" smtClean="0">
                 <a:solidFill>
                   <a:srgbClr val="000066"/>
                 </a:solidFill>
                 <a:latin typeface="微軟正黑體" pitchFamily="34" charset="-120"/>
                 <a:ea typeface="微軟正黑體" pitchFamily="34" charset="-120"/>
               </a:rPr>
-              <a:t>遮蓋我 在祢大能手中</a:t>
-            </a:r>
-            <a:endParaRPr lang="en-US" altLang="zh-TW" sz="4800" b="1" dirty="0" smtClean="0">
+              <a:t>深深知道你是我的神</a:t>
+            </a:r>
+            <a:endParaRPr lang="en-US" altLang="zh-TW" sz="5400" b="1" dirty="0" smtClean="0">
               <a:solidFill>
                 <a:srgbClr val="000066"/>
               </a:solidFill>
@@ -3175,16 +3174,16 @@
               <a:buNone/>
             </a:pPr>
             <a:r>
-              <a:rPr lang="zh-TW" altLang="en-US" sz="4800" b="1" dirty="0" smtClean="0">
+              <a:rPr lang="zh-TW" altLang="en-US" sz="5400" b="1" dirty="0" smtClean="0">
                 <a:solidFill>
                   <a:srgbClr val="000066"/>
                 </a:solidFill>
                 <a:latin typeface="微軟正黑體" pitchFamily="34" charset="-120"/>
                 <a:ea typeface="微軟正黑體" pitchFamily="34" charset="-120"/>
               </a:rPr>
-              <a:t>我靈安息 在基督裡</a:t>
-            </a:r>
-            <a:endParaRPr lang="en-US" altLang="zh-TW" sz="4800" b="1" dirty="0" smtClean="0">
+              <a:t>風浪讓我靈更堅定</a:t>
+            </a:r>
+            <a:endParaRPr lang="en-US" altLang="zh-TW" sz="5400" b="1" dirty="0" smtClean="0">
               <a:solidFill>
                 <a:srgbClr val="000066"/>
               </a:solidFill>
@@ -3197,21 +3196,16 @@
               <a:buNone/>
             </a:pPr>
             <a:r>
-              <a:rPr lang="zh-TW" altLang="en-US" sz="4800" b="1" dirty="0" smtClean="0">
+              <a:rPr lang="zh-TW" altLang="en-US" sz="5400" b="1" dirty="0" smtClean="0">
                 <a:solidFill>
                   <a:srgbClr val="000066"/>
                 </a:solidFill>
                 <a:latin typeface="微軟正黑體" pitchFamily="34" charset="-120"/>
                 <a:ea typeface="微軟正黑體" pitchFamily="34" charset="-120"/>
               </a:rPr>
-              <a:t>祢大能 使我安然信靠</a:t>
-            </a:r>
-          </a:p>
-          <a:p>
-            <a:pPr algn="ctr">
-              <a:buNone/>
-            </a:pPr>
-            <a:endParaRPr lang="zh-TW" altLang="en-US" sz="4800" b="1" dirty="0">
+              <a:t>在我身旁你使風浪平息</a:t>
+            </a:r>
+            <a:endParaRPr lang="zh-TW" altLang="en-US" sz="5400" b="1" dirty="0">
               <a:solidFill>
                 <a:srgbClr val="000066"/>
               </a:solidFill>
@@ -3265,13 +3259,11 @@
         </p:nvSpPr>
         <p:spPr/>
         <p:txBody>
-          <a:bodyPr>
-            <a:normAutofit/>
-          </a:bodyPr>
-          <a:lstStyle/>
-          <a:p>
-            <a:r>
-              <a:rPr lang="zh-CN" altLang="en-US" sz="4000" b="1" dirty="0">
+          <a:bodyPr/>
+          <a:lstStyle/>
+          <a:p>
+            <a:r>
+              <a:rPr lang="zh-CN" altLang="en-US" b="1" dirty="0" smtClean="0">
                 <a:solidFill>
                   <a:srgbClr val="000066"/>
                 </a:solidFill>
@@ -3280,7 +3272,7 @@
               </a:rPr>
               <a:t>安靜</a:t>
             </a:r>
-            <a:endParaRPr lang="zh-TW" altLang="en-US" sz="4000" b="1" dirty="0">
+            <a:endParaRPr lang="zh-TW" altLang="en-US" b="1" dirty="0">
               <a:solidFill>
                 <a:srgbClr val="000066"/>
               </a:solidFill>
@@ -3303,7 +3295,7 @@
         <p:spPr/>
         <p:txBody>
           <a:bodyPr>
-            <a:noAutofit/>
+            <a:normAutofit fontScale="92500" lnSpcReduction="10000"/>
           </a:bodyPr>
           <a:lstStyle/>
           <a:p>
@@ -3311,16 +3303,16 @@
               <a:buNone/>
             </a:pPr>
             <a:r>
-              <a:rPr lang="zh-TW" altLang="en-US" sz="4800" b="1" dirty="0">
+              <a:rPr lang="zh-TW" altLang="en-US" sz="5400" b="1" dirty="0" smtClean="0">
                 <a:solidFill>
                   <a:srgbClr val="000066"/>
                 </a:solidFill>
                 <a:latin typeface="微軟正黑體" pitchFamily="34" charset="-120"/>
                 <a:ea typeface="微軟正黑體" pitchFamily="34" charset="-120"/>
               </a:rPr>
-              <a:t>當大海翻騰波濤洶湧</a:t>
-            </a:r>
-            <a:endParaRPr lang="en-US" altLang="zh-TW" sz="4800" b="1" dirty="0">
+              <a:t>我不害怕  我仍然要敬拜</a:t>
+            </a:r>
+            <a:endParaRPr lang="en-US" altLang="zh-TW" sz="5400" b="1" dirty="0" smtClean="0">
               <a:solidFill>
                 <a:srgbClr val="000066"/>
               </a:solidFill>
@@ -3333,16 +3325,16 @@
               <a:buNone/>
             </a:pPr>
             <a:r>
-              <a:rPr lang="zh-TW" altLang="en-US" sz="4800" b="1" dirty="0">
+              <a:rPr lang="zh-TW" altLang="en-US" sz="5400" b="1" dirty="0" smtClean="0">
                 <a:solidFill>
                   <a:srgbClr val="000066"/>
                 </a:solidFill>
                 <a:latin typeface="微軟正黑體" pitchFamily="34" charset="-120"/>
                 <a:ea typeface="微軟正黑體" pitchFamily="34" charset="-120"/>
               </a:rPr>
-              <a:t>我與祢展翅暴風上空</a:t>
-            </a:r>
-            <a:endParaRPr lang="en-US" altLang="zh-TW" sz="4800" b="1" dirty="0">
+              <a:t>你陪我走向應許之處</a:t>
+            </a:r>
+            <a:endParaRPr lang="en-US" altLang="zh-TW" sz="5400" b="1" dirty="0" smtClean="0">
               <a:solidFill>
                 <a:srgbClr val="000066"/>
               </a:solidFill>
@@ -3355,16 +3347,16 @@
               <a:buNone/>
             </a:pPr>
             <a:r>
-              <a:rPr lang="zh-TW" altLang="en-US" sz="4800" b="1" dirty="0">
+              <a:rPr lang="zh-TW" altLang="en-US" sz="5400" b="1" dirty="0" smtClean="0">
                 <a:solidFill>
                   <a:srgbClr val="000066"/>
                 </a:solidFill>
                 <a:latin typeface="微軟正黑體" pitchFamily="34" charset="-120"/>
                 <a:ea typeface="微軟正黑體" pitchFamily="34" charset="-120"/>
               </a:rPr>
-              <a:t>父祢仍作王在洪水中</a:t>
-            </a:r>
-            <a:endParaRPr lang="en-US" altLang="zh-TW" sz="4800" b="1" dirty="0">
+              <a:t>充滿盼望  我一生要敬拜</a:t>
+            </a:r>
+            <a:endParaRPr lang="en-US" altLang="zh-TW" sz="5400" b="1" dirty="0" smtClean="0">
               <a:solidFill>
                 <a:srgbClr val="000066"/>
               </a:solidFill>
@@ -3377,15 +3369,22 @@
               <a:buNone/>
             </a:pPr>
             <a:r>
-              <a:rPr lang="zh-TW" altLang="en-US" sz="4800" b="1" dirty="0">
+              <a:rPr lang="zh-TW" altLang="en-US" sz="5400" b="1" dirty="0" smtClean="0">
                 <a:solidFill>
                   <a:srgbClr val="000066"/>
                 </a:solidFill>
                 <a:latin typeface="微軟正黑體" pitchFamily="34" charset="-120"/>
                 <a:ea typeface="微軟正黑體" pitchFamily="34" charset="-120"/>
               </a:rPr>
-              <a:t>我要安靜 知祢是神</a:t>
-            </a:r>
+              <a:t>生命滿有你的印記</a:t>
+            </a:r>
+            <a:endParaRPr lang="zh-TW" altLang="en-US" sz="5400" b="1" dirty="0">
+              <a:solidFill>
+                <a:srgbClr val="000066"/>
+              </a:solidFill>
+              <a:latin typeface="微軟正黑體" pitchFamily="34" charset="-120"/>
+              <a:ea typeface="微軟正黑體" pitchFamily="34" charset="-120"/>
+            </a:endParaRPr>
           </a:p>
         </p:txBody>
       </p:sp>
@@ -3471,14 +3470,24 @@
         <p:spPr/>
         <p:txBody>
           <a:bodyPr>
-            <a:normAutofit/>
+            <a:noAutofit/>
           </a:bodyPr>
           <a:lstStyle/>
           <a:p>
             <a:pPr algn="ctr">
               <a:buNone/>
             </a:pPr>
-            <a:endParaRPr lang="en-US" altLang="zh-TW" sz="4800" b="1" dirty="0" smtClean="0">
+            <a:r>
+              <a:rPr lang="zh-TW" altLang="en-US" sz="4800" b="1" dirty="0">
+                <a:solidFill>
+                  <a:srgbClr val="000066"/>
+                </a:solidFill>
+                <a:latin typeface="微軟正黑體" pitchFamily="34" charset="-120"/>
+                <a:ea typeface="微軟正黑體" pitchFamily="34" charset="-120"/>
+              </a:rPr>
+              <a:t>當大海翻騰波濤洶湧</a:t>
+            </a:r>
+            <a:endParaRPr lang="en-US" altLang="zh-TW" sz="4800" b="1" dirty="0">
               <a:solidFill>
                 <a:srgbClr val="000066"/>
               </a:solidFill>
@@ -3491,16 +3500,16 @@
               <a:buNone/>
             </a:pPr>
             <a:r>
-              <a:rPr lang="zh-TW" altLang="en-US" sz="4800" b="1" dirty="0" smtClean="0">
+              <a:rPr lang="zh-TW" altLang="en-US" sz="4800" b="1" dirty="0">
                 <a:solidFill>
                   <a:srgbClr val="000066"/>
                 </a:solidFill>
                 <a:latin typeface="微軟正黑體" pitchFamily="34" charset="-120"/>
                 <a:ea typeface="微軟正黑體" pitchFamily="34" charset="-120"/>
               </a:rPr>
-              <a:t>我靈安息 在基督裡</a:t>
-            </a:r>
-            <a:endParaRPr lang="en-US" altLang="zh-TW" sz="4800" b="1" dirty="0" smtClean="0">
+              <a:t>我與祢展翅暴風上空</a:t>
+            </a:r>
+            <a:endParaRPr lang="en-US" altLang="zh-TW" sz="4800" b="1" dirty="0">
               <a:solidFill>
                 <a:srgbClr val="000066"/>
               </a:solidFill>
@@ -3513,22 +3522,37 @@
               <a:buNone/>
             </a:pPr>
             <a:r>
-              <a:rPr lang="zh-TW" altLang="en-US" sz="4800" b="1" dirty="0" smtClean="0">
+              <a:rPr lang="zh-TW" altLang="en-US" sz="4800" b="1" dirty="0">
                 <a:solidFill>
                   <a:srgbClr val="000066"/>
                 </a:solidFill>
                 <a:latin typeface="微軟正黑體" pitchFamily="34" charset="-120"/>
                 <a:ea typeface="微軟正黑體" pitchFamily="34" charset="-120"/>
               </a:rPr>
-              <a:t>祢大能 使我安然信靠</a:t>
-            </a:r>
-            <a:endParaRPr lang="zh-TW" altLang="en-US" sz="4800" b="1" dirty="0">
+              <a:t>父祢仍作王在洪水中</a:t>
+            </a:r>
+            <a:endParaRPr lang="en-US" altLang="zh-TW" sz="4800" b="1" dirty="0">
               <a:solidFill>
                 <a:srgbClr val="000066"/>
               </a:solidFill>
               <a:latin typeface="微軟正黑體" pitchFamily="34" charset="-120"/>
               <a:ea typeface="微軟正黑體" pitchFamily="34" charset="-120"/>
             </a:endParaRPr>
+          </a:p>
+          <a:p>
+            <a:pPr algn="ctr">
+              <a:buNone/>
+            </a:pPr>
+            <a:r>
+              <a:rPr lang="zh-TW" altLang="en-US" sz="4800" b="1" dirty="0">
+                <a:solidFill>
+                  <a:srgbClr val="000066"/>
+                </a:solidFill>
+                <a:latin typeface="微軟正黑體" pitchFamily="34" charset="-120"/>
+                <a:ea typeface="微軟正黑體" pitchFamily="34" charset="-120"/>
+              </a:rPr>
+              <a:t>我要安靜 知祢是神</a:t>
+            </a:r>
           </a:p>
         </p:txBody>
       </p:sp>
@@ -3582,7 +3606,7 @@
           <a:lstStyle/>
           <a:p>
             <a:r>
-              <a:rPr lang="zh-CN" altLang="en-US" sz="4000" b="1" dirty="0">
+              <a:rPr lang="zh-CN" altLang="en-US" sz="4000" b="1" dirty="0" smtClean="0">
                 <a:solidFill>
                   <a:srgbClr val="000066"/>
                 </a:solidFill>
@@ -3614,7 +3638,7 @@
         <p:spPr/>
         <p:txBody>
           <a:bodyPr>
-            <a:noAutofit/>
+            <a:normAutofit lnSpcReduction="10000"/>
           </a:bodyPr>
           <a:lstStyle/>
           <a:p>
@@ -3622,16 +3646,16 @@
               <a:buNone/>
             </a:pPr>
             <a:r>
-              <a:rPr lang="zh-TW" altLang="en-US" sz="4800" b="1" dirty="0">
+              <a:rPr lang="zh-TW" altLang="en-US" sz="4800" b="1" dirty="0" smtClean="0">
                 <a:solidFill>
                   <a:srgbClr val="000066"/>
                 </a:solidFill>
                 <a:latin typeface="微軟正黑體" pitchFamily="34" charset="-120"/>
                 <a:ea typeface="微軟正黑體" pitchFamily="34" charset="-120"/>
               </a:rPr>
-              <a:t>當大海翻騰波濤洶湧</a:t>
-            </a:r>
-            <a:endParaRPr lang="en-US" altLang="zh-TW" sz="4800" b="1" dirty="0">
+              <a:t>藏我在 翅膀蔭下</a:t>
+            </a:r>
+            <a:endParaRPr lang="en-US" altLang="zh-TW" sz="4800" b="1" dirty="0" smtClean="0">
               <a:solidFill>
                 <a:srgbClr val="000066"/>
               </a:solidFill>
@@ -3644,16 +3668,16 @@
               <a:buNone/>
             </a:pPr>
             <a:r>
-              <a:rPr lang="zh-TW" altLang="en-US" sz="4800" b="1" dirty="0">
+              <a:rPr lang="zh-TW" altLang="en-US" sz="4800" b="1" dirty="0" smtClean="0">
                 <a:solidFill>
                   <a:srgbClr val="000066"/>
                 </a:solidFill>
                 <a:latin typeface="微軟正黑體" pitchFamily="34" charset="-120"/>
                 <a:ea typeface="微軟正黑體" pitchFamily="34" charset="-120"/>
               </a:rPr>
-              <a:t>我與祢展翅暴風上空</a:t>
-            </a:r>
-            <a:endParaRPr lang="en-US" altLang="zh-TW" sz="4800" b="1" dirty="0">
+              <a:t>遮蓋我 在祢大能手中</a:t>
+            </a:r>
+            <a:endParaRPr lang="en-US" altLang="zh-TW" sz="4800" b="1" dirty="0" smtClean="0">
               <a:solidFill>
                 <a:srgbClr val="000066"/>
               </a:solidFill>
@@ -3666,16 +3690,16 @@
               <a:buNone/>
             </a:pPr>
             <a:r>
-              <a:rPr lang="zh-TW" altLang="en-US" sz="4800" b="1" dirty="0">
+              <a:rPr lang="zh-TW" altLang="en-US" sz="4800" b="1" dirty="0" smtClean="0">
                 <a:solidFill>
                   <a:srgbClr val="000066"/>
                 </a:solidFill>
                 <a:latin typeface="微軟正黑體" pitchFamily="34" charset="-120"/>
                 <a:ea typeface="微軟正黑體" pitchFamily="34" charset="-120"/>
               </a:rPr>
-              <a:t>父祢仍作王在洪水中</a:t>
-            </a:r>
-            <a:endParaRPr lang="en-US" altLang="zh-TW" sz="4800" b="1" dirty="0">
+              <a:t>我靈安息 在基督裡</a:t>
+            </a:r>
+            <a:endParaRPr lang="en-US" altLang="zh-TW" sz="4800" b="1" dirty="0" smtClean="0">
               <a:solidFill>
                 <a:srgbClr val="000066"/>
               </a:solidFill>
@@ -3688,15 +3712,27 @@
               <a:buNone/>
             </a:pPr>
             <a:r>
-              <a:rPr lang="zh-TW" altLang="en-US" sz="4800" b="1" dirty="0">
+              <a:rPr lang="zh-TW" altLang="en-US" sz="4800" b="1" dirty="0" smtClean="0">
                 <a:solidFill>
                   <a:srgbClr val="000066"/>
                 </a:solidFill>
                 <a:latin typeface="微軟正黑體" pitchFamily="34" charset="-120"/>
                 <a:ea typeface="微軟正黑體" pitchFamily="34" charset="-120"/>
               </a:rPr>
-              <a:t>我要安靜 知祢是神</a:t>
-            </a:r>
+              <a:t>祢大能 使我安然信靠</a:t>
+            </a:r>
+          </a:p>
+          <a:p>
+            <a:pPr algn="ctr">
+              <a:buNone/>
+            </a:pPr>
+            <a:endParaRPr lang="zh-TW" altLang="en-US" sz="4800" b="1" dirty="0">
+              <a:solidFill>
+                <a:srgbClr val="000066"/>
+              </a:solidFill>
+              <a:latin typeface="微軟正黑體" pitchFamily="34" charset="-120"/>
+              <a:ea typeface="微軟正黑體" pitchFamily="34" charset="-120"/>
+            </a:endParaRPr>
           </a:p>
         </p:txBody>
       </p:sp>
@@ -3744,11 +3780,13 @@
         </p:nvSpPr>
         <p:spPr/>
         <p:txBody>
-          <a:bodyPr/>
-          <a:lstStyle/>
-          <a:p>
-            <a:r>
-              <a:rPr lang="zh-CN" altLang="en-US" b="1" dirty="0" smtClean="0">
+          <a:bodyPr>
+            <a:normAutofit/>
+          </a:bodyPr>
+          <a:lstStyle/>
+          <a:p>
+            <a:r>
+              <a:rPr lang="zh-CN" altLang="en-US" sz="4000" b="1" dirty="0">
                 <a:solidFill>
                   <a:srgbClr val="000066"/>
                 </a:solidFill>
@@ -3757,7 +3795,7 @@
               </a:rPr>
               <a:t>安靜</a:t>
             </a:r>
-            <a:endParaRPr lang="zh-TW" altLang="en-US" b="1" dirty="0">
+            <a:endParaRPr lang="zh-TW" altLang="en-US" sz="4000" b="1" dirty="0">
               <a:solidFill>
                 <a:srgbClr val="000066"/>
               </a:solidFill>
@@ -3780,7 +3818,7 @@
         <p:spPr/>
         <p:txBody>
           <a:bodyPr>
-            <a:normAutofit fontScale="92500" lnSpcReduction="10000"/>
+            <a:noAutofit/>
           </a:bodyPr>
           <a:lstStyle/>
           <a:p>
@@ -3788,16 +3826,16 @@
               <a:buNone/>
             </a:pPr>
             <a:r>
-              <a:rPr lang="zh-TW" altLang="en-US" sz="5400" b="1" dirty="0" smtClean="0">
+              <a:rPr lang="zh-TW" altLang="en-US" sz="4800" b="1" dirty="0">
                 <a:solidFill>
                   <a:srgbClr val="000066"/>
                 </a:solidFill>
                 <a:latin typeface="微軟正黑體" pitchFamily="34" charset="-120"/>
                 <a:ea typeface="微軟正黑體" pitchFamily="34" charset="-120"/>
               </a:rPr>
-              <a:t>安靜讓平安入我心</a:t>
-            </a:r>
-            <a:endParaRPr lang="en-US" altLang="zh-TW" sz="5400" b="1" dirty="0" smtClean="0">
+              <a:t>當大海翻騰波濤洶湧</a:t>
+            </a:r>
+            <a:endParaRPr lang="en-US" altLang="zh-TW" sz="4800" b="1" dirty="0">
               <a:solidFill>
                 <a:srgbClr val="000066"/>
               </a:solidFill>
@@ -3810,16 +3848,16 @@
               <a:buNone/>
             </a:pPr>
             <a:r>
-              <a:rPr lang="zh-TW" altLang="en-US" sz="5400" b="1" dirty="0" smtClean="0">
+              <a:rPr lang="zh-TW" altLang="en-US" sz="4800" b="1" dirty="0">
                 <a:solidFill>
                   <a:srgbClr val="000066"/>
                 </a:solidFill>
                 <a:latin typeface="微軟正黑體" pitchFamily="34" charset="-120"/>
                 <a:ea typeface="微軟正黑體" pitchFamily="34" charset="-120"/>
               </a:rPr>
-              <a:t>深深知道你是我的神</a:t>
-            </a:r>
-            <a:endParaRPr lang="en-US" altLang="zh-TW" sz="5400" b="1" dirty="0" smtClean="0">
+              <a:t>我與祢展翅暴風上空</a:t>
+            </a:r>
+            <a:endParaRPr lang="en-US" altLang="zh-TW" sz="4800" b="1" dirty="0">
               <a:solidFill>
                 <a:srgbClr val="000066"/>
               </a:solidFill>
@@ -3832,16 +3870,16 @@
               <a:buNone/>
             </a:pPr>
             <a:r>
-              <a:rPr lang="zh-TW" altLang="en-US" sz="5400" b="1" dirty="0" smtClean="0">
+              <a:rPr lang="zh-TW" altLang="en-US" sz="4800" b="1" dirty="0">
                 <a:solidFill>
                   <a:srgbClr val="000066"/>
                 </a:solidFill>
                 <a:latin typeface="微軟正黑體" pitchFamily="34" charset="-120"/>
                 <a:ea typeface="微軟正黑體" pitchFamily="34" charset="-120"/>
               </a:rPr>
-              <a:t>風浪讓我靈更堅定</a:t>
-            </a:r>
-            <a:endParaRPr lang="en-US" altLang="zh-TW" sz="5400" b="1" dirty="0" smtClean="0">
+              <a:t>父祢仍作王在洪水中</a:t>
+            </a:r>
+            <a:endParaRPr lang="en-US" altLang="zh-TW" sz="4800" b="1" dirty="0">
               <a:solidFill>
                 <a:srgbClr val="000066"/>
               </a:solidFill>
@@ -3854,22 +3892,15 @@
               <a:buNone/>
             </a:pPr>
             <a:r>
-              <a:rPr lang="zh-TW" altLang="en-US" sz="5400" b="1" dirty="0" smtClean="0">
+              <a:rPr lang="zh-TW" altLang="en-US" sz="4800" b="1" dirty="0">
                 <a:solidFill>
                   <a:srgbClr val="000066"/>
                 </a:solidFill>
                 <a:latin typeface="微軟正黑體" pitchFamily="34" charset="-120"/>
                 <a:ea typeface="微軟正黑體" pitchFamily="34" charset="-120"/>
               </a:rPr>
-              <a:t>在我身旁你使風浪平息</a:t>
-            </a:r>
-            <a:endParaRPr lang="zh-TW" altLang="en-US" sz="5400" b="1" dirty="0">
-              <a:solidFill>
-                <a:srgbClr val="000066"/>
-              </a:solidFill>
-              <a:latin typeface="微軟正黑體" pitchFamily="34" charset="-120"/>
-              <a:ea typeface="微軟正黑體" pitchFamily="34" charset="-120"/>
-            </a:endParaRPr>
+              <a:t>我要安靜 知祢是神</a:t>
+            </a:r>
           </a:p>
         </p:txBody>
       </p:sp>
@@ -3917,11 +3948,13 @@
         </p:nvSpPr>
         <p:spPr/>
         <p:txBody>
-          <a:bodyPr/>
-          <a:lstStyle/>
-          <a:p>
-            <a:r>
-              <a:rPr lang="zh-CN" altLang="en-US" b="1" dirty="0" smtClean="0">
+          <a:bodyPr>
+            <a:normAutofit/>
+          </a:bodyPr>
+          <a:lstStyle/>
+          <a:p>
+            <a:r>
+              <a:rPr lang="zh-CN" altLang="en-US" sz="4000" b="1" dirty="0">
                 <a:solidFill>
                   <a:srgbClr val="000066"/>
                 </a:solidFill>
@@ -3930,7 +3963,7 @@
               </a:rPr>
               <a:t>安靜</a:t>
             </a:r>
-            <a:endParaRPr lang="zh-TW" altLang="en-US" b="1" dirty="0">
+            <a:endParaRPr lang="zh-TW" altLang="en-US" sz="4000" b="1" dirty="0">
               <a:solidFill>
                 <a:srgbClr val="000066"/>
               </a:solidFill>
@@ -3953,24 +3986,14 @@
         <p:spPr/>
         <p:txBody>
           <a:bodyPr>
-            <a:normAutofit fontScale="92500" lnSpcReduction="10000"/>
+            <a:normAutofit/>
           </a:bodyPr>
           <a:lstStyle/>
           <a:p>
             <a:pPr algn="ctr">
               <a:buNone/>
             </a:pPr>
-            <a:r>
-              <a:rPr lang="zh-TW" altLang="en-US" sz="5400" b="1" dirty="0" smtClean="0">
-                <a:solidFill>
-                  <a:srgbClr val="000066"/>
-                </a:solidFill>
-                <a:latin typeface="微軟正黑體" pitchFamily="34" charset="-120"/>
-                <a:ea typeface="微軟正黑體" pitchFamily="34" charset="-120"/>
-              </a:rPr>
-              <a:t>我不害怕  我仍然要敬拜</a:t>
-            </a:r>
-            <a:endParaRPr lang="en-US" altLang="zh-TW" sz="5400" b="1" dirty="0" smtClean="0">
+            <a:endParaRPr lang="en-US" altLang="zh-TW" sz="4800" b="1" dirty="0" smtClean="0">
               <a:solidFill>
                 <a:srgbClr val="000066"/>
               </a:solidFill>
@@ -3983,16 +4006,16 @@
               <a:buNone/>
             </a:pPr>
             <a:r>
-              <a:rPr lang="zh-TW" altLang="en-US" sz="5400" b="1" dirty="0" smtClean="0">
+              <a:rPr lang="zh-TW" altLang="en-US" sz="4800" b="1" dirty="0" smtClean="0">
                 <a:solidFill>
                   <a:srgbClr val="000066"/>
                 </a:solidFill>
                 <a:latin typeface="微軟正黑體" pitchFamily="34" charset="-120"/>
                 <a:ea typeface="微軟正黑體" pitchFamily="34" charset="-120"/>
               </a:rPr>
-              <a:t>你陪我走向應許之處</a:t>
-            </a:r>
-            <a:endParaRPr lang="en-US" altLang="zh-TW" sz="5400" b="1" dirty="0" smtClean="0">
+              <a:t>我靈安息 在基督裡</a:t>
+            </a:r>
+            <a:endParaRPr lang="en-US" altLang="zh-TW" sz="4800" b="1" dirty="0" smtClean="0">
               <a:solidFill>
                 <a:srgbClr val="000066"/>
               </a:solidFill>
@@ -4005,16 +4028,16 @@
               <a:buNone/>
             </a:pPr>
             <a:r>
-              <a:rPr lang="zh-TW" altLang="en-US" sz="5400" b="1" dirty="0" smtClean="0">
+              <a:rPr lang="zh-TW" altLang="en-US" sz="4800" b="1" dirty="0" smtClean="0">
                 <a:solidFill>
                   <a:srgbClr val="000066"/>
                 </a:solidFill>
                 <a:latin typeface="微軟正黑體" pitchFamily="34" charset="-120"/>
                 <a:ea typeface="微軟正黑體" pitchFamily="34" charset="-120"/>
               </a:rPr>
-              <a:t>充滿盼望  我一生要敬拜</a:t>
-            </a:r>
-            <a:endParaRPr lang="en-US" altLang="zh-TW" sz="5400" b="1" dirty="0" smtClean="0">
+              <a:t>祢大能 使我安然信靠</a:t>
+            </a:r>
+            <a:endParaRPr lang="zh-TW" altLang="en-US" sz="4800" b="1" dirty="0">
               <a:solidFill>
                 <a:srgbClr val="000066"/>
               </a:solidFill>
@@ -4022,27 +4045,173 @@
               <a:ea typeface="微軟正黑體" pitchFamily="34" charset="-120"/>
             </a:endParaRPr>
           </a:p>
-          <a:p>
-            <a:pPr algn="ctr">
-              <a:buNone/>
-            </a:pPr>
-            <a:r>
-              <a:rPr lang="zh-TW" altLang="en-US" sz="5400" b="1" dirty="0" smtClean="0">
+        </p:txBody>
+      </p:sp>
+    </p:spTree>
+  </p:cSld>
+  <p:clrMapOvr>
+    <a:masterClrMapping/>
+  </p:clrMapOvr>
+  <p:timing>
+    <p:tnLst>
+      <p:par>
+        <p:cTn id="1" dur="indefinite" restart="never" nodeType="tmRoot"/>
+      </p:par>
+    </p:tnLst>
+  </p:timing>
+</p:sld>
+</file>
+
+<file path=ppt/slides/slide7.xml><?xml version="1.0" encoding="utf-8"?>
+<p:sld xmlns:a="http://schemas.openxmlformats.org/drawingml/2006/main" xmlns:r="http://schemas.openxmlformats.org/officeDocument/2006/relationships" xmlns:p="http://schemas.openxmlformats.org/presentationml/2006/main">
+  <p:cSld>
+    <p:spTree>
+      <p:nvGrpSpPr>
+        <p:cNvPr id="1" name=""/>
+        <p:cNvGrpSpPr/>
+        <p:nvPr/>
+      </p:nvGrpSpPr>
+      <p:grpSpPr>
+        <a:xfrm>
+          <a:off x="0" y="0"/>
+          <a:ext cx="0" cy="0"/>
+          <a:chOff x="0" y="0"/>
+          <a:chExt cx="0" cy="0"/>
+        </a:xfrm>
+      </p:grpSpPr>
+      <p:sp>
+        <p:nvSpPr>
+          <p:cNvPr id="4" name="標題 3"/>
+          <p:cNvSpPr>
+            <a:spLocks noGrp="1"/>
+          </p:cNvSpPr>
+          <p:nvPr>
+            <p:ph type="title"/>
+          </p:nvPr>
+        </p:nvSpPr>
+        <p:spPr/>
+        <p:txBody>
+          <a:bodyPr>
+            <a:normAutofit/>
+          </a:bodyPr>
+          <a:lstStyle/>
+          <a:p>
+            <a:r>
+              <a:rPr lang="zh-CN" altLang="en-US" sz="4000" b="1" dirty="0">
                 <a:solidFill>
                   <a:srgbClr val="000066"/>
                 </a:solidFill>
                 <a:latin typeface="微軟正黑體" pitchFamily="34" charset="-120"/>
                 <a:ea typeface="微軟正黑體" pitchFamily="34" charset="-120"/>
               </a:rPr>
-              <a:t>生命滿有你的印記</a:t>
-            </a:r>
-            <a:endParaRPr lang="zh-TW" altLang="en-US" sz="5400" b="1" dirty="0">
+              <a:t>安靜</a:t>
+            </a:r>
+            <a:endParaRPr lang="zh-TW" altLang="en-US" sz="4000" b="1" dirty="0">
               <a:solidFill>
                 <a:srgbClr val="000066"/>
               </a:solidFill>
               <a:latin typeface="微軟正黑體" pitchFamily="34" charset="-120"/>
               <a:ea typeface="微軟正黑體" pitchFamily="34" charset="-120"/>
             </a:endParaRPr>
+          </a:p>
+        </p:txBody>
+      </p:sp>
+      <p:sp>
+        <p:nvSpPr>
+          <p:cNvPr id="5" name="內容版面配置區 4"/>
+          <p:cNvSpPr>
+            <a:spLocks noGrp="1"/>
+          </p:cNvSpPr>
+          <p:nvPr>
+            <p:ph idx="1"/>
+          </p:nvPr>
+        </p:nvSpPr>
+        <p:spPr/>
+        <p:txBody>
+          <a:bodyPr>
+            <a:noAutofit/>
+          </a:bodyPr>
+          <a:lstStyle/>
+          <a:p>
+            <a:pPr algn="ctr">
+              <a:buNone/>
+            </a:pPr>
+            <a:r>
+              <a:rPr lang="zh-TW" altLang="en-US" sz="4800" b="1" dirty="0">
+                <a:solidFill>
+                  <a:srgbClr val="000066"/>
+                </a:solidFill>
+                <a:latin typeface="微軟正黑體" pitchFamily="34" charset="-120"/>
+                <a:ea typeface="微軟正黑體" pitchFamily="34" charset="-120"/>
+              </a:rPr>
+              <a:t>當大海翻騰波濤洶湧</a:t>
+            </a:r>
+            <a:endParaRPr lang="en-US" altLang="zh-TW" sz="4800" b="1" dirty="0">
+              <a:solidFill>
+                <a:srgbClr val="000066"/>
+              </a:solidFill>
+              <a:latin typeface="微軟正黑體" pitchFamily="34" charset="-120"/>
+              <a:ea typeface="微軟正黑體" pitchFamily="34" charset="-120"/>
+            </a:endParaRPr>
+          </a:p>
+          <a:p>
+            <a:pPr algn="ctr">
+              <a:buNone/>
+            </a:pPr>
+            <a:r>
+              <a:rPr lang="zh-TW" altLang="en-US" sz="4800" b="1" dirty="0">
+                <a:solidFill>
+                  <a:srgbClr val="000066"/>
+                </a:solidFill>
+                <a:latin typeface="微軟正黑體" pitchFamily="34" charset="-120"/>
+                <a:ea typeface="微軟正黑體" pitchFamily="34" charset="-120"/>
+              </a:rPr>
+              <a:t>我與祢展翅暴風上空</a:t>
+            </a:r>
+            <a:endParaRPr lang="en-US" altLang="zh-TW" sz="4800" b="1" dirty="0">
+              <a:solidFill>
+                <a:srgbClr val="000066"/>
+              </a:solidFill>
+              <a:latin typeface="微軟正黑體" pitchFamily="34" charset="-120"/>
+              <a:ea typeface="微軟正黑體" pitchFamily="34" charset="-120"/>
+            </a:endParaRPr>
+          </a:p>
+          <a:p>
+            <a:pPr algn="ctr">
+              <a:buNone/>
+            </a:pPr>
+            <a:r>
+              <a:rPr lang="zh-TW" altLang="en-US" sz="4800" b="1" dirty="0">
+                <a:solidFill>
+                  <a:srgbClr val="000066"/>
+                </a:solidFill>
+                <a:latin typeface="微軟正黑體" pitchFamily="34" charset="-120"/>
+                <a:ea typeface="微軟正黑體" pitchFamily="34" charset="-120"/>
+              </a:rPr>
+              <a:t>父祢仍作王在洪水中</a:t>
+            </a:r>
+            <a:endParaRPr lang="en-US" altLang="zh-TW" sz="4800" b="1" dirty="0">
+              <a:solidFill>
+                <a:srgbClr val="000066"/>
+              </a:solidFill>
+              <a:latin typeface="微軟正黑體" pitchFamily="34" charset="-120"/>
+              <a:ea typeface="微軟正黑體" pitchFamily="34" charset="-120"/>
+            </a:endParaRPr>
+          </a:p>
+          <a:p>
+            <a:pPr algn="ctr">
+              <a:buNone/>
+            </a:pPr>
+            <a:r>
+              <a:rPr lang="zh-TW" altLang="en-US" sz="4800" b="1" dirty="0">
+                <a:solidFill>
+                  <a:srgbClr val="000066"/>
+                </a:solidFill>
+                <a:latin typeface="微軟正黑體" pitchFamily="34" charset="-120"/>
+                <a:ea typeface="微軟正黑體" pitchFamily="34" charset="-120"/>
+              </a:rPr>
+              <a:t>我要安靜 知祢是神</a:t>
+            </a:r>
           </a:p>
         </p:txBody>
       </p:sp>
